--- a/schedule/ワンシート企画書完成.pptx
+++ b/schedule/ワンシート企画書完成.pptx
@@ -243,7 +243,7 @@
           <a:p>
             <a:fld id="{BBC123B1-0A9E-407F-A707-7F56FF17E2F8}" type="datetimeFigureOut">
               <a:rPr kumimoji="1" lang="ja-JP" altLang="en-US" smtClean="0"/>
-              <a:t>2020/10/21</a:t>
+              <a:t>2020/10/22</a:t>
             </a:fld>
             <a:endParaRPr kumimoji="1" lang="ja-JP" altLang="en-US"/>
           </a:p>
@@ -445,7 +445,7 @@
           <a:p>
             <a:fld id="{BBC123B1-0A9E-407F-A707-7F56FF17E2F8}" type="datetimeFigureOut">
               <a:rPr kumimoji="1" lang="ja-JP" altLang="en-US" smtClean="0"/>
-              <a:t>2020/10/21</a:t>
+              <a:t>2020/10/22</a:t>
             </a:fld>
             <a:endParaRPr kumimoji="1" lang="ja-JP" altLang="en-US"/>
           </a:p>
@@ -657,7 +657,7 @@
           <a:p>
             <a:fld id="{BBC123B1-0A9E-407F-A707-7F56FF17E2F8}" type="datetimeFigureOut">
               <a:rPr kumimoji="1" lang="ja-JP" altLang="en-US" smtClean="0"/>
-              <a:t>2020/10/21</a:t>
+              <a:t>2020/10/22</a:t>
             </a:fld>
             <a:endParaRPr kumimoji="1" lang="ja-JP" altLang="en-US"/>
           </a:p>
@@ -859,7 +859,7 @@
           <a:p>
             <a:fld id="{BBC123B1-0A9E-407F-A707-7F56FF17E2F8}" type="datetimeFigureOut">
               <a:rPr kumimoji="1" lang="ja-JP" altLang="en-US" smtClean="0"/>
-              <a:t>2020/10/21</a:t>
+              <a:t>2020/10/22</a:t>
             </a:fld>
             <a:endParaRPr kumimoji="1" lang="ja-JP" altLang="en-US"/>
           </a:p>
@@ -1105,7 +1105,7 @@
           <a:p>
             <a:fld id="{BBC123B1-0A9E-407F-A707-7F56FF17E2F8}" type="datetimeFigureOut">
               <a:rPr kumimoji="1" lang="ja-JP" altLang="en-US" smtClean="0"/>
-              <a:t>2020/10/21</a:t>
+              <a:t>2020/10/22</a:t>
             </a:fld>
             <a:endParaRPr kumimoji="1" lang="ja-JP" altLang="en-US"/>
           </a:p>
@@ -1401,7 +1401,7 @@
           <a:p>
             <a:fld id="{BBC123B1-0A9E-407F-A707-7F56FF17E2F8}" type="datetimeFigureOut">
               <a:rPr kumimoji="1" lang="ja-JP" altLang="en-US" smtClean="0"/>
-              <a:t>2020/10/21</a:t>
+              <a:t>2020/10/22</a:t>
             </a:fld>
             <a:endParaRPr kumimoji="1" lang="ja-JP" altLang="en-US"/>
           </a:p>
@@ -1832,7 +1832,7 @@
           <a:p>
             <a:fld id="{BBC123B1-0A9E-407F-A707-7F56FF17E2F8}" type="datetimeFigureOut">
               <a:rPr kumimoji="1" lang="ja-JP" altLang="en-US" smtClean="0"/>
-              <a:t>2020/10/21</a:t>
+              <a:t>2020/10/22</a:t>
             </a:fld>
             <a:endParaRPr kumimoji="1" lang="ja-JP" altLang="en-US"/>
           </a:p>
@@ -1950,7 +1950,7 @@
           <a:p>
             <a:fld id="{BBC123B1-0A9E-407F-A707-7F56FF17E2F8}" type="datetimeFigureOut">
               <a:rPr kumimoji="1" lang="ja-JP" altLang="en-US" smtClean="0"/>
-              <a:t>2020/10/21</a:t>
+              <a:t>2020/10/22</a:t>
             </a:fld>
             <a:endParaRPr kumimoji="1" lang="ja-JP" altLang="en-US"/>
           </a:p>
@@ -2045,7 +2045,7 @@
           <a:p>
             <a:fld id="{BBC123B1-0A9E-407F-A707-7F56FF17E2F8}" type="datetimeFigureOut">
               <a:rPr kumimoji="1" lang="ja-JP" altLang="en-US" smtClean="0"/>
-              <a:t>2020/10/21</a:t>
+              <a:t>2020/10/22</a:t>
             </a:fld>
             <a:endParaRPr kumimoji="1" lang="ja-JP" altLang="en-US"/>
           </a:p>
@@ -2354,7 +2354,7 @@
           <a:p>
             <a:fld id="{BBC123B1-0A9E-407F-A707-7F56FF17E2F8}" type="datetimeFigureOut">
               <a:rPr kumimoji="1" lang="ja-JP" altLang="en-US" smtClean="0"/>
-              <a:t>2020/10/21</a:t>
+              <a:t>2020/10/22</a:t>
             </a:fld>
             <a:endParaRPr kumimoji="1" lang="ja-JP" altLang="en-US"/>
           </a:p>
@@ -2607,7 +2607,7 @@
           <a:p>
             <a:fld id="{BBC123B1-0A9E-407F-A707-7F56FF17E2F8}" type="datetimeFigureOut">
               <a:rPr kumimoji="1" lang="ja-JP" altLang="en-US" smtClean="0"/>
-              <a:t>2020/10/21</a:t>
+              <a:t>2020/10/22</a:t>
             </a:fld>
             <a:endParaRPr kumimoji="1" lang="ja-JP" altLang="en-US"/>
           </a:p>
@@ -2852,7 +2852,7 @@
           <a:p>
             <a:fld id="{BBC123B1-0A9E-407F-A707-7F56FF17E2F8}" type="datetimeFigureOut">
               <a:rPr kumimoji="1" lang="ja-JP" altLang="en-US" smtClean="0"/>
-              <a:t>2020/10/21</a:t>
+              <a:t>2020/10/22</a:t>
             </a:fld>
             <a:endParaRPr kumimoji="1" lang="ja-JP" altLang="en-US"/>
           </a:p>
@@ -3428,28 +3428,7 @@
                 <a:latin typeface="HGP創英角ﾎﾟｯﾌﾟ体" panose="040B0A00000000000000" pitchFamily="50" charset="-128"/>
                 <a:ea typeface="HGP創英角ﾎﾟｯﾌﾟ体" panose="040B0A00000000000000" pitchFamily="50" charset="-128"/>
               </a:rPr>
-              <a:t>ネズミ</a:t>
-            </a:r>
-            <a:r>
-              <a:rPr kumimoji="1" lang="ja-JP" altLang="en-US" sz="3200" b="1" dirty="0" smtClean="0">
-                <a:ln w="13462">
-                  <a:solidFill>
-                    <a:srgbClr val="993300"/>
-                  </a:solidFill>
-                  <a:prstDash val="solid"/>
-                </a:ln>
-                <a:solidFill>
-                  <a:schemeClr val="bg1"/>
-                </a:solidFill>
-                <a:effectLst>
-                  <a:outerShdw dist="38100" dir="2700000" algn="bl" rotWithShape="0">
-                    <a:schemeClr val="accent5"/>
-                  </a:outerShdw>
-                </a:effectLst>
-                <a:latin typeface="HGP創英角ﾎﾟｯﾌﾟ体" panose="040B0A00000000000000" pitchFamily="50" charset="-128"/>
-                <a:ea typeface="HGP創英角ﾎﾟｯﾌﾟ体" panose="040B0A00000000000000" pitchFamily="50" charset="-128"/>
-              </a:rPr>
-              <a:t>を倒して、</a:t>
+              <a:t>ネズミを倒して、</a:t>
             </a:r>
             <a:r>
               <a:rPr lang="ja-JP" altLang="en-US" sz="3200" b="1" dirty="0" smtClean="0">
@@ -5041,29 +5020,7 @@
                   </a:outerShdw>
                 </a:effectLst>
               </a:rPr>
-              <a:t>人占めじゃ</a:t>
-            </a:r>
-            <a:r>
-              <a:rPr kumimoji="1" lang="ja-JP" altLang="en-US" b="1" dirty="0" smtClean="0">
-                <a:ln w="9525">
-                  <a:solidFill>
-                    <a:schemeClr val="bg1"/>
-                  </a:solidFill>
-                  <a:prstDash val="solid"/>
-                </a:ln>
-                <a:solidFill>
-                  <a:srgbClr val="FF0000"/>
-                </a:solidFill>
-                <a:effectLst>
-                  <a:outerShdw blurRad="12700" dist="38100" dir="2700000" algn="tl" rotWithShape="0">
-                    <a:schemeClr val="accent5">
-                      <a:lumMod val="60000"/>
-                      <a:lumOff val="40000"/>
-                    </a:schemeClr>
-                  </a:outerShdw>
-                </a:effectLst>
-              </a:rPr>
-              <a:t>ー！</a:t>
+              <a:t>人占めじゃー！</a:t>
             </a:r>
             <a:endParaRPr kumimoji="1" lang="en-US" altLang="ja-JP" b="1" dirty="0" smtClean="0">
               <a:ln w="9525">
@@ -5606,8 +5563,8 @@
         </p:nvSpPr>
         <p:spPr>
           <a:xfrm rot="303978">
-            <a:off x="1290408" y="2562204"/>
-            <a:ext cx="6697204" cy="494623"/>
+            <a:off x="1290441" y="2561463"/>
+            <a:ext cx="6680414" cy="494623"/>
           </a:xfrm>
           <a:prstGeom prst="rightArrow">
             <a:avLst/>

--- a/schedule/ワンシート企画書完成.pptx
+++ b/schedule/ワンシート企画書完成.pptx
@@ -243,7 +243,7 @@
           <a:p>
             <a:fld id="{BBC123B1-0A9E-407F-A707-7F56FF17E2F8}" type="datetimeFigureOut">
               <a:rPr kumimoji="1" lang="ja-JP" altLang="en-US" smtClean="0"/>
-              <a:t>2020/10/22</a:t>
+              <a:t>2020/10/23</a:t>
             </a:fld>
             <a:endParaRPr kumimoji="1" lang="ja-JP" altLang="en-US"/>
           </a:p>
@@ -445,7 +445,7 @@
           <a:p>
             <a:fld id="{BBC123B1-0A9E-407F-A707-7F56FF17E2F8}" type="datetimeFigureOut">
               <a:rPr kumimoji="1" lang="ja-JP" altLang="en-US" smtClean="0"/>
-              <a:t>2020/10/22</a:t>
+              <a:t>2020/10/23</a:t>
             </a:fld>
             <a:endParaRPr kumimoji="1" lang="ja-JP" altLang="en-US"/>
           </a:p>
@@ -657,7 +657,7 @@
           <a:p>
             <a:fld id="{BBC123B1-0A9E-407F-A707-7F56FF17E2F8}" type="datetimeFigureOut">
               <a:rPr kumimoji="1" lang="ja-JP" altLang="en-US" smtClean="0"/>
-              <a:t>2020/10/22</a:t>
+              <a:t>2020/10/23</a:t>
             </a:fld>
             <a:endParaRPr kumimoji="1" lang="ja-JP" altLang="en-US"/>
           </a:p>
@@ -859,7 +859,7 @@
           <a:p>
             <a:fld id="{BBC123B1-0A9E-407F-A707-7F56FF17E2F8}" type="datetimeFigureOut">
               <a:rPr kumimoji="1" lang="ja-JP" altLang="en-US" smtClean="0"/>
-              <a:t>2020/10/22</a:t>
+              <a:t>2020/10/23</a:t>
             </a:fld>
             <a:endParaRPr kumimoji="1" lang="ja-JP" altLang="en-US"/>
           </a:p>
@@ -1105,7 +1105,7 @@
           <a:p>
             <a:fld id="{BBC123B1-0A9E-407F-A707-7F56FF17E2F8}" type="datetimeFigureOut">
               <a:rPr kumimoji="1" lang="ja-JP" altLang="en-US" smtClean="0"/>
-              <a:t>2020/10/22</a:t>
+              <a:t>2020/10/23</a:t>
             </a:fld>
             <a:endParaRPr kumimoji="1" lang="ja-JP" altLang="en-US"/>
           </a:p>
@@ -1401,7 +1401,7 @@
           <a:p>
             <a:fld id="{BBC123B1-0A9E-407F-A707-7F56FF17E2F8}" type="datetimeFigureOut">
               <a:rPr kumimoji="1" lang="ja-JP" altLang="en-US" smtClean="0"/>
-              <a:t>2020/10/22</a:t>
+              <a:t>2020/10/23</a:t>
             </a:fld>
             <a:endParaRPr kumimoji="1" lang="ja-JP" altLang="en-US"/>
           </a:p>
@@ -1832,7 +1832,7 @@
           <a:p>
             <a:fld id="{BBC123B1-0A9E-407F-A707-7F56FF17E2F8}" type="datetimeFigureOut">
               <a:rPr kumimoji="1" lang="ja-JP" altLang="en-US" smtClean="0"/>
-              <a:t>2020/10/22</a:t>
+              <a:t>2020/10/23</a:t>
             </a:fld>
             <a:endParaRPr kumimoji="1" lang="ja-JP" altLang="en-US"/>
           </a:p>
@@ -1950,7 +1950,7 @@
           <a:p>
             <a:fld id="{BBC123B1-0A9E-407F-A707-7F56FF17E2F8}" type="datetimeFigureOut">
               <a:rPr kumimoji="1" lang="ja-JP" altLang="en-US" smtClean="0"/>
-              <a:t>2020/10/22</a:t>
+              <a:t>2020/10/23</a:t>
             </a:fld>
             <a:endParaRPr kumimoji="1" lang="ja-JP" altLang="en-US"/>
           </a:p>
@@ -2045,7 +2045,7 @@
           <a:p>
             <a:fld id="{BBC123B1-0A9E-407F-A707-7F56FF17E2F8}" type="datetimeFigureOut">
               <a:rPr kumimoji="1" lang="ja-JP" altLang="en-US" smtClean="0"/>
-              <a:t>2020/10/22</a:t>
+              <a:t>2020/10/23</a:t>
             </a:fld>
             <a:endParaRPr kumimoji="1" lang="ja-JP" altLang="en-US"/>
           </a:p>
@@ -2354,7 +2354,7 @@
           <a:p>
             <a:fld id="{BBC123B1-0A9E-407F-A707-7F56FF17E2F8}" type="datetimeFigureOut">
               <a:rPr kumimoji="1" lang="ja-JP" altLang="en-US" smtClean="0"/>
-              <a:t>2020/10/22</a:t>
+              <a:t>2020/10/23</a:t>
             </a:fld>
             <a:endParaRPr kumimoji="1" lang="ja-JP" altLang="en-US"/>
           </a:p>
@@ -2607,7 +2607,7 @@
           <a:p>
             <a:fld id="{BBC123B1-0A9E-407F-A707-7F56FF17E2F8}" type="datetimeFigureOut">
               <a:rPr kumimoji="1" lang="ja-JP" altLang="en-US" smtClean="0"/>
-              <a:t>2020/10/22</a:t>
+              <a:t>2020/10/23</a:t>
             </a:fld>
             <a:endParaRPr kumimoji="1" lang="ja-JP" altLang="en-US"/>
           </a:p>
@@ -2852,7 +2852,7 @@
           <a:p>
             <a:fld id="{BBC123B1-0A9E-407F-A707-7F56FF17E2F8}" type="datetimeFigureOut">
               <a:rPr kumimoji="1" lang="ja-JP" altLang="en-US" smtClean="0"/>
-              <a:t>2020/10/22</a:t>
+              <a:t>2020/10/23</a:t>
             </a:fld>
             <a:endParaRPr kumimoji="1" lang="ja-JP" altLang="en-US"/>
           </a:p>
